--- a/lecture/20210608_1071524_ProblemF.pptx
+++ b/lecture/20210608_1071524_ProblemF.pptx
@@ -23,14 +23,15 @@
     <p:sldId id="278" r:id="rId17"/>
     <p:sldId id="279" r:id="rId18"/>
     <p:sldId id="280" r:id="rId19"/>
-    <p:sldId id="272" r:id="rId20"/>
-    <p:sldId id="262" r:id="rId21"/>
-    <p:sldId id="282" r:id="rId22"/>
-    <p:sldId id="286" r:id="rId23"/>
-    <p:sldId id="263" r:id="rId24"/>
-    <p:sldId id="287" r:id="rId25"/>
-    <p:sldId id="283" r:id="rId26"/>
-    <p:sldId id="260" r:id="rId27"/>
+    <p:sldId id="288" r:id="rId20"/>
+    <p:sldId id="272" r:id="rId21"/>
+    <p:sldId id="262" r:id="rId22"/>
+    <p:sldId id="282" r:id="rId23"/>
+    <p:sldId id="286" r:id="rId24"/>
+    <p:sldId id="263" r:id="rId25"/>
+    <p:sldId id="287" r:id="rId26"/>
+    <p:sldId id="283" r:id="rId27"/>
+    <p:sldId id="260" r:id="rId28"/>
   </p:sldIdLst>
   <p:sldSz cx="12192000" cy="6858000"/>
   <p:notesSz cx="6858000" cy="9144000"/>
@@ -327,7 +328,7 @@
           <a:p>
             <a:fld id="{C8F1A8D0-D194-402E-BE0F-18401978C0C2}" type="datetimeFigureOut">
               <a:rPr lang="zh-TW" altLang="en-US" smtClean="0"/>
-              <a:t>2021/6/8</a:t>
+              <a:t>2021/7/21</a:t>
             </a:fld>
             <a:endParaRPr lang="zh-TW" altLang="en-US"/>
           </a:p>
@@ -495,7 +496,7 @@
           <a:p>
             <a:fld id="{C8F1A8D0-D194-402E-BE0F-18401978C0C2}" type="datetimeFigureOut">
               <a:rPr lang="zh-TW" altLang="en-US" smtClean="0"/>
-              <a:t>2021/6/8</a:t>
+              <a:t>2021/7/21</a:t>
             </a:fld>
             <a:endParaRPr lang="zh-TW" altLang="en-US"/>
           </a:p>
@@ -673,7 +674,7 @@
           <a:p>
             <a:fld id="{C8F1A8D0-D194-402E-BE0F-18401978C0C2}" type="datetimeFigureOut">
               <a:rPr lang="zh-TW" altLang="en-US" smtClean="0"/>
-              <a:t>2021/6/8</a:t>
+              <a:t>2021/7/21</a:t>
             </a:fld>
             <a:endParaRPr lang="zh-TW" altLang="en-US"/>
           </a:p>
@@ -841,7 +842,7 @@
           <a:p>
             <a:fld id="{C8F1A8D0-D194-402E-BE0F-18401978C0C2}" type="datetimeFigureOut">
               <a:rPr lang="zh-TW" altLang="en-US" smtClean="0"/>
-              <a:t>2021/6/8</a:t>
+              <a:t>2021/7/21</a:t>
             </a:fld>
             <a:endParaRPr lang="zh-TW" altLang="en-US"/>
           </a:p>
@@ -1086,7 +1087,7 @@
           <a:p>
             <a:fld id="{C8F1A8D0-D194-402E-BE0F-18401978C0C2}" type="datetimeFigureOut">
               <a:rPr lang="zh-TW" altLang="en-US" smtClean="0"/>
-              <a:t>2021/6/8</a:t>
+              <a:t>2021/7/21</a:t>
             </a:fld>
             <a:endParaRPr lang="zh-TW" altLang="en-US"/>
           </a:p>
@@ -1371,7 +1372,7 @@
           <a:p>
             <a:fld id="{C8F1A8D0-D194-402E-BE0F-18401978C0C2}" type="datetimeFigureOut">
               <a:rPr lang="zh-TW" altLang="en-US" smtClean="0"/>
-              <a:t>2021/6/8</a:t>
+              <a:t>2021/7/21</a:t>
             </a:fld>
             <a:endParaRPr lang="zh-TW" altLang="en-US"/>
           </a:p>
@@ -1790,7 +1791,7 @@
           <a:p>
             <a:fld id="{C8F1A8D0-D194-402E-BE0F-18401978C0C2}" type="datetimeFigureOut">
               <a:rPr lang="zh-TW" altLang="en-US" smtClean="0"/>
-              <a:t>2021/6/8</a:t>
+              <a:t>2021/7/21</a:t>
             </a:fld>
             <a:endParaRPr lang="zh-TW" altLang="en-US"/>
           </a:p>
@@ -1907,7 +1908,7 @@
           <a:p>
             <a:fld id="{C8F1A8D0-D194-402E-BE0F-18401978C0C2}" type="datetimeFigureOut">
               <a:rPr lang="zh-TW" altLang="en-US" smtClean="0"/>
-              <a:t>2021/6/8</a:t>
+              <a:t>2021/7/21</a:t>
             </a:fld>
             <a:endParaRPr lang="zh-TW" altLang="en-US"/>
           </a:p>
@@ -2002,7 +2003,7 @@
           <a:p>
             <a:fld id="{C8F1A8D0-D194-402E-BE0F-18401978C0C2}" type="datetimeFigureOut">
               <a:rPr lang="zh-TW" altLang="en-US" smtClean="0"/>
-              <a:t>2021/6/8</a:t>
+              <a:t>2021/7/21</a:t>
             </a:fld>
             <a:endParaRPr lang="zh-TW" altLang="en-US"/>
           </a:p>
@@ -2277,7 +2278,7 @@
           <a:p>
             <a:fld id="{C8F1A8D0-D194-402E-BE0F-18401978C0C2}" type="datetimeFigureOut">
               <a:rPr lang="zh-TW" altLang="en-US" smtClean="0"/>
-              <a:t>2021/6/8</a:t>
+              <a:t>2021/7/21</a:t>
             </a:fld>
             <a:endParaRPr lang="zh-TW" altLang="en-US"/>
           </a:p>
@@ -2529,7 +2530,7 @@
           <a:p>
             <a:fld id="{C8F1A8D0-D194-402E-BE0F-18401978C0C2}" type="datetimeFigureOut">
               <a:rPr lang="zh-TW" altLang="en-US" smtClean="0"/>
-              <a:t>2021/6/8</a:t>
+              <a:t>2021/7/21</a:t>
             </a:fld>
             <a:endParaRPr lang="zh-TW" altLang="en-US"/>
           </a:p>
@@ -2740,7 +2741,7 @@
           <a:p>
             <a:fld id="{C8F1A8D0-D194-402E-BE0F-18401978C0C2}" type="datetimeFigureOut">
               <a:rPr lang="zh-TW" altLang="en-US" smtClean="0"/>
-              <a:t>2021/6/8</a:t>
+              <a:t>2021/7/21</a:t>
             </a:fld>
             <a:endParaRPr lang="zh-TW" altLang="en-US"/>
           </a:p>
@@ -3718,21 +3719,28 @@
             <a:pPr lvl="1"/>
             <a:r>
               <a:rPr lang="en-US" altLang="zh-TW" dirty="0"/>
-              <a:t>Directed Acyclic Graph</a:t>
+              <a:t>Directed Graph</a:t>
             </a:r>
           </a:p>
           <a:p>
             <a:pPr lvl="1"/>
             <a:r>
               <a:rPr lang="en-US" altLang="zh-TW" dirty="0"/>
-              <a:t>OUT select is start node</a:t>
+              <a:t>Nodes are Components</a:t>
             </a:r>
           </a:p>
           <a:p>
             <a:pPr lvl="1"/>
             <a:r>
               <a:rPr lang="en-US" altLang="zh-TW" dirty="0"/>
-              <a:t>BIT and IN selects are edge nodes</a:t>
+              <a:t>OUT selects are begin nodes</a:t>
+            </a:r>
+          </a:p>
+          <a:p>
+            <a:pPr lvl="1"/>
+            <a:r>
+              <a:rPr lang="en-US" altLang="zh-TW" dirty="0"/>
+              <a:t>BIT and IN selects are end nodes</a:t>
             </a:r>
           </a:p>
           <a:p>
@@ -3764,8 +3772,8 @@
             <a:chExt cx="3434689" cy="4573680"/>
           </a:xfrm>
         </p:grpSpPr>
-        <mc:AlternateContent xmlns:mc="http://schemas.openxmlformats.org/markup-compatibility/2006">
-          <mc:Choice xmlns:a14="http://schemas.microsoft.com/office/drawing/2010/main" Requires="a14">
+        <mc:AlternateContent xmlns:mc="http://schemas.openxmlformats.org/markup-compatibility/2006" xmlns:a14="http://schemas.microsoft.com/office/drawing/2010/main">
+          <mc:Choice Requires="a14">
             <p:sp>
               <p:nvSpPr>
                 <p:cNvPr id="18" name="橢圓 17">
@@ -3853,7 +3861,7 @@
               </p:txBody>
             </p:sp>
           </mc:Choice>
-          <mc:Fallback>
+          <mc:Fallback xmlns="">
             <p:sp>
               <p:nvSpPr>
                 <p:cNvPr id="18" name="橢圓 17">
@@ -3898,8 +3906,8 @@
             </p:sp>
           </mc:Fallback>
         </mc:AlternateContent>
-        <mc:AlternateContent xmlns:mc="http://schemas.openxmlformats.org/markup-compatibility/2006">
-          <mc:Choice xmlns:a14="http://schemas.microsoft.com/office/drawing/2010/main" Requires="a14">
+        <mc:AlternateContent xmlns:mc="http://schemas.openxmlformats.org/markup-compatibility/2006" xmlns:a14="http://schemas.microsoft.com/office/drawing/2010/main">
+          <mc:Choice Requires="a14">
             <p:sp>
               <p:nvSpPr>
                 <p:cNvPr id="19" name="橢圓 18">
@@ -3968,7 +3976,7 @@
               </p:txBody>
             </p:sp>
           </mc:Choice>
-          <mc:Fallback>
+          <mc:Fallback xmlns="">
             <p:sp>
               <p:nvSpPr>
                 <p:cNvPr id="19" name="橢圓 18">
@@ -4013,8 +4021,8 @@
             </p:sp>
           </mc:Fallback>
         </mc:AlternateContent>
-        <mc:AlternateContent xmlns:mc="http://schemas.openxmlformats.org/markup-compatibility/2006">
-          <mc:Choice xmlns:a14="http://schemas.microsoft.com/office/drawing/2010/main" Requires="a14">
+        <mc:AlternateContent xmlns:mc="http://schemas.openxmlformats.org/markup-compatibility/2006" xmlns:a14="http://schemas.microsoft.com/office/drawing/2010/main">
+          <mc:Choice Requires="a14">
             <p:sp>
               <p:nvSpPr>
                 <p:cNvPr id="20" name="橢圓 19">
@@ -4083,7 +4091,7 @@
               </p:txBody>
             </p:sp>
           </mc:Choice>
-          <mc:Fallback>
+          <mc:Fallback xmlns="">
             <p:sp>
               <p:nvSpPr>
                 <p:cNvPr id="20" name="橢圓 19">
@@ -4128,8 +4136,8 @@
             </p:sp>
           </mc:Fallback>
         </mc:AlternateContent>
-        <mc:AlternateContent xmlns:mc="http://schemas.openxmlformats.org/markup-compatibility/2006">
-          <mc:Choice xmlns:a14="http://schemas.microsoft.com/office/drawing/2010/main" Requires="a14">
+        <mc:AlternateContent xmlns:mc="http://schemas.openxmlformats.org/markup-compatibility/2006" xmlns:a14="http://schemas.microsoft.com/office/drawing/2010/main">
+          <mc:Choice Requires="a14">
             <p:sp>
               <p:nvSpPr>
                 <p:cNvPr id="21" name="橢圓 20">
@@ -4198,7 +4206,7 @@
               </p:txBody>
             </p:sp>
           </mc:Choice>
-          <mc:Fallback>
+          <mc:Fallback xmlns="">
             <p:sp>
               <p:nvSpPr>
                 <p:cNvPr id="21" name="橢圓 20">
@@ -4243,8 +4251,8 @@
             </p:sp>
           </mc:Fallback>
         </mc:AlternateContent>
-        <mc:AlternateContent xmlns:mc="http://schemas.openxmlformats.org/markup-compatibility/2006">
-          <mc:Choice xmlns:a14="http://schemas.microsoft.com/office/drawing/2010/main" Requires="a14">
+        <mc:AlternateContent xmlns:mc="http://schemas.openxmlformats.org/markup-compatibility/2006" xmlns:a14="http://schemas.microsoft.com/office/drawing/2010/main">
+          <mc:Choice Requires="a14">
             <p:sp>
               <p:nvSpPr>
                 <p:cNvPr id="22" name="橢圓 21">
@@ -4313,7 +4321,7 @@
               </p:txBody>
             </p:sp>
           </mc:Choice>
-          <mc:Fallback>
+          <mc:Fallback xmlns="">
             <p:sp>
               <p:nvSpPr>
                 <p:cNvPr id="22" name="橢圓 21">
@@ -4358,8 +4366,8 @@
             </p:sp>
           </mc:Fallback>
         </mc:AlternateContent>
-        <mc:AlternateContent xmlns:mc="http://schemas.openxmlformats.org/markup-compatibility/2006">
-          <mc:Choice xmlns:a14="http://schemas.microsoft.com/office/drawing/2010/main" Requires="a14">
+        <mc:AlternateContent xmlns:mc="http://schemas.openxmlformats.org/markup-compatibility/2006" xmlns:a14="http://schemas.microsoft.com/office/drawing/2010/main">
+          <mc:Choice Requires="a14">
             <p:sp>
               <p:nvSpPr>
                 <p:cNvPr id="23" name="橢圓 22">
@@ -4428,7 +4436,7 @@
               </p:txBody>
             </p:sp>
           </mc:Choice>
-          <mc:Fallback>
+          <mc:Fallback xmlns="">
             <p:sp>
               <p:nvSpPr>
                 <p:cNvPr id="23" name="橢圓 22">
@@ -4473,8 +4481,8 @@
             </p:sp>
           </mc:Fallback>
         </mc:AlternateContent>
-        <mc:AlternateContent xmlns:mc="http://schemas.openxmlformats.org/markup-compatibility/2006">
-          <mc:Choice xmlns:a14="http://schemas.microsoft.com/office/drawing/2010/main" Requires="a14">
+        <mc:AlternateContent xmlns:mc="http://schemas.openxmlformats.org/markup-compatibility/2006" xmlns:a14="http://schemas.microsoft.com/office/drawing/2010/main">
+          <mc:Choice Requires="a14">
             <p:sp>
               <p:nvSpPr>
                 <p:cNvPr id="24" name="橢圓 23">
@@ -4543,7 +4551,7 @@
               </p:txBody>
             </p:sp>
           </mc:Choice>
-          <mc:Fallback>
+          <mc:Fallback xmlns="">
             <p:sp>
               <p:nvSpPr>
                 <p:cNvPr id="24" name="橢圓 23">
@@ -5777,8 +5785,8 @@
           </a:p>
         </p:txBody>
       </p:sp>
-      <mc:AlternateContent xmlns:mc="http://schemas.openxmlformats.org/markup-compatibility/2006">
-        <mc:Choice xmlns:a14="http://schemas.microsoft.com/office/drawing/2010/main" Requires="a14">
+      <mc:AlternateContent xmlns:mc="http://schemas.openxmlformats.org/markup-compatibility/2006" xmlns:a14="http://schemas.microsoft.com/office/drawing/2010/main">
+        <mc:Choice Requires="a14">
           <p:sp>
             <p:nvSpPr>
               <p:cNvPr id="4" name="橢圓 3">
@@ -5875,7 +5883,7 @@
             </p:txBody>
           </p:sp>
         </mc:Choice>
-        <mc:Fallback>
+        <mc:Fallback xmlns="">
           <p:sp>
             <p:nvSpPr>
               <p:cNvPr id="4" name="橢圓 3">
@@ -5920,8 +5928,8 @@
           </p:sp>
         </mc:Fallback>
       </mc:AlternateContent>
-      <mc:AlternateContent xmlns:mc="http://schemas.openxmlformats.org/markup-compatibility/2006">
-        <mc:Choice xmlns:a14="http://schemas.microsoft.com/office/drawing/2010/main" Requires="a14">
+      <mc:AlternateContent xmlns:mc="http://schemas.openxmlformats.org/markup-compatibility/2006" xmlns:a14="http://schemas.microsoft.com/office/drawing/2010/main">
+        <mc:Choice Requires="a14">
           <p:sp>
             <p:nvSpPr>
               <p:cNvPr id="5" name="橢圓 4">
@@ -5990,7 +5998,7 @@
             </p:txBody>
           </p:sp>
         </mc:Choice>
-        <mc:Fallback>
+        <mc:Fallback xmlns="">
           <p:sp>
             <p:nvSpPr>
               <p:cNvPr id="5" name="橢圓 4">
@@ -6035,8 +6043,8 @@
           </p:sp>
         </mc:Fallback>
       </mc:AlternateContent>
-      <mc:AlternateContent xmlns:mc="http://schemas.openxmlformats.org/markup-compatibility/2006">
-        <mc:Choice xmlns:a14="http://schemas.microsoft.com/office/drawing/2010/main" Requires="a14">
+      <mc:AlternateContent xmlns:mc="http://schemas.openxmlformats.org/markup-compatibility/2006" xmlns:a14="http://schemas.microsoft.com/office/drawing/2010/main">
+        <mc:Choice Requires="a14">
           <p:sp>
             <p:nvSpPr>
               <p:cNvPr id="6" name="橢圓 5">
@@ -6133,7 +6141,7 @@
             </p:txBody>
           </p:sp>
         </mc:Choice>
-        <mc:Fallback>
+        <mc:Fallback xmlns="">
           <p:sp>
             <p:nvSpPr>
               <p:cNvPr id="6" name="橢圓 5">
@@ -6178,8 +6186,8 @@
           </p:sp>
         </mc:Fallback>
       </mc:AlternateContent>
-      <mc:AlternateContent xmlns:mc="http://schemas.openxmlformats.org/markup-compatibility/2006">
-        <mc:Choice xmlns:a14="http://schemas.microsoft.com/office/drawing/2010/main" Requires="a14">
+      <mc:AlternateContent xmlns:mc="http://schemas.openxmlformats.org/markup-compatibility/2006" xmlns:a14="http://schemas.microsoft.com/office/drawing/2010/main">
+        <mc:Choice Requires="a14">
           <p:sp>
             <p:nvSpPr>
               <p:cNvPr id="7" name="橢圓 6">
@@ -6269,7 +6277,7 @@
             </p:txBody>
           </p:sp>
         </mc:Choice>
-        <mc:Fallback>
+        <mc:Fallback xmlns="">
           <p:sp>
             <p:nvSpPr>
               <p:cNvPr id="7" name="橢圓 6">
@@ -6314,8 +6322,8 @@
           </p:sp>
         </mc:Fallback>
       </mc:AlternateContent>
-      <mc:AlternateContent xmlns:mc="http://schemas.openxmlformats.org/markup-compatibility/2006">
-        <mc:Choice xmlns:a14="http://schemas.microsoft.com/office/drawing/2010/main" Requires="a14">
+      <mc:AlternateContent xmlns:mc="http://schemas.openxmlformats.org/markup-compatibility/2006" xmlns:a14="http://schemas.microsoft.com/office/drawing/2010/main">
+        <mc:Choice Requires="a14">
           <p:sp>
             <p:nvSpPr>
               <p:cNvPr id="8" name="橢圓 7">
@@ -6384,7 +6392,7 @@
             </p:txBody>
           </p:sp>
         </mc:Choice>
-        <mc:Fallback>
+        <mc:Fallback xmlns="">
           <p:sp>
             <p:nvSpPr>
               <p:cNvPr id="8" name="橢圓 7">
@@ -6429,8 +6437,8 @@
           </p:sp>
         </mc:Fallback>
       </mc:AlternateContent>
-      <mc:AlternateContent xmlns:mc="http://schemas.openxmlformats.org/markup-compatibility/2006">
-        <mc:Choice xmlns:a14="http://schemas.microsoft.com/office/drawing/2010/main" Requires="a14">
+      <mc:AlternateContent xmlns:mc="http://schemas.openxmlformats.org/markup-compatibility/2006" xmlns:a14="http://schemas.microsoft.com/office/drawing/2010/main">
+        <mc:Choice Requires="a14">
           <p:sp>
             <p:nvSpPr>
               <p:cNvPr id="9" name="橢圓 8">
@@ -6527,7 +6535,7 @@
             </p:txBody>
           </p:sp>
         </mc:Choice>
-        <mc:Fallback>
+        <mc:Fallback xmlns="">
           <p:sp>
             <p:nvSpPr>
               <p:cNvPr id="9" name="橢圓 8">
@@ -6572,8 +6580,8 @@
           </p:sp>
         </mc:Fallback>
       </mc:AlternateContent>
-      <mc:AlternateContent xmlns:mc="http://schemas.openxmlformats.org/markup-compatibility/2006">
-        <mc:Choice xmlns:a14="http://schemas.microsoft.com/office/drawing/2010/main" Requires="a14">
+      <mc:AlternateContent xmlns:mc="http://schemas.openxmlformats.org/markup-compatibility/2006" xmlns:a14="http://schemas.microsoft.com/office/drawing/2010/main">
+        <mc:Choice Requires="a14">
           <p:sp>
             <p:nvSpPr>
               <p:cNvPr id="10" name="橢圓 9">
@@ -6670,7 +6678,7 @@
             </p:txBody>
           </p:sp>
         </mc:Choice>
-        <mc:Fallback>
+        <mc:Fallback xmlns="">
           <p:sp>
             <p:nvSpPr>
               <p:cNvPr id="10" name="橢圓 9">
@@ -7085,8 +7093,8 @@
           </a:p>
         </p:txBody>
       </p:sp>
-      <mc:AlternateContent xmlns:mc="http://schemas.openxmlformats.org/markup-compatibility/2006">
-        <mc:Choice xmlns:a14="http://schemas.microsoft.com/office/drawing/2010/main" Requires="a14">
+      <mc:AlternateContent xmlns:mc="http://schemas.openxmlformats.org/markup-compatibility/2006" xmlns:a14="http://schemas.microsoft.com/office/drawing/2010/main">
+        <mc:Choice Requires="a14">
           <p:sp>
             <p:nvSpPr>
               <p:cNvPr id="4" name="橢圓 3">
@@ -7183,7 +7191,7 @@
             </p:txBody>
           </p:sp>
         </mc:Choice>
-        <mc:Fallback>
+        <mc:Fallback xmlns="">
           <p:sp>
             <p:nvSpPr>
               <p:cNvPr id="4" name="橢圓 3">
@@ -7228,8 +7236,8 @@
           </p:sp>
         </mc:Fallback>
       </mc:AlternateContent>
-      <mc:AlternateContent xmlns:mc="http://schemas.openxmlformats.org/markup-compatibility/2006">
-        <mc:Choice xmlns:a14="http://schemas.microsoft.com/office/drawing/2010/main" Requires="a14">
+      <mc:AlternateContent xmlns:mc="http://schemas.openxmlformats.org/markup-compatibility/2006" xmlns:a14="http://schemas.microsoft.com/office/drawing/2010/main">
+        <mc:Choice Requires="a14">
           <p:sp>
             <p:nvSpPr>
               <p:cNvPr id="5" name="橢圓 4">
@@ -7298,7 +7306,7 @@
             </p:txBody>
           </p:sp>
         </mc:Choice>
-        <mc:Fallback>
+        <mc:Fallback xmlns="">
           <p:sp>
             <p:nvSpPr>
               <p:cNvPr id="5" name="橢圓 4">
@@ -7343,8 +7351,8 @@
           </p:sp>
         </mc:Fallback>
       </mc:AlternateContent>
-      <mc:AlternateContent xmlns:mc="http://schemas.openxmlformats.org/markup-compatibility/2006">
-        <mc:Choice xmlns:a14="http://schemas.microsoft.com/office/drawing/2010/main" Requires="a14">
+      <mc:AlternateContent xmlns:mc="http://schemas.openxmlformats.org/markup-compatibility/2006" xmlns:a14="http://schemas.microsoft.com/office/drawing/2010/main">
+        <mc:Choice Requires="a14">
           <p:sp>
             <p:nvSpPr>
               <p:cNvPr id="6" name="橢圓 5">
@@ -7441,7 +7449,7 @@
             </p:txBody>
           </p:sp>
         </mc:Choice>
-        <mc:Fallback>
+        <mc:Fallback xmlns="">
           <p:sp>
             <p:nvSpPr>
               <p:cNvPr id="6" name="橢圓 5">
@@ -7486,8 +7494,8 @@
           </p:sp>
         </mc:Fallback>
       </mc:AlternateContent>
-      <mc:AlternateContent xmlns:mc="http://schemas.openxmlformats.org/markup-compatibility/2006">
-        <mc:Choice xmlns:a14="http://schemas.microsoft.com/office/drawing/2010/main" Requires="a14">
+      <mc:AlternateContent xmlns:mc="http://schemas.openxmlformats.org/markup-compatibility/2006" xmlns:a14="http://schemas.microsoft.com/office/drawing/2010/main">
+        <mc:Choice Requires="a14">
           <p:sp>
             <p:nvSpPr>
               <p:cNvPr id="7" name="橢圓 6">
@@ -7577,7 +7585,7 @@
             </p:txBody>
           </p:sp>
         </mc:Choice>
-        <mc:Fallback>
+        <mc:Fallback xmlns="">
           <p:sp>
             <p:nvSpPr>
               <p:cNvPr id="7" name="橢圓 6">
@@ -7622,8 +7630,8 @@
           </p:sp>
         </mc:Fallback>
       </mc:AlternateContent>
-      <mc:AlternateContent xmlns:mc="http://schemas.openxmlformats.org/markup-compatibility/2006">
-        <mc:Choice xmlns:a14="http://schemas.microsoft.com/office/drawing/2010/main" Requires="a14">
+      <mc:AlternateContent xmlns:mc="http://schemas.openxmlformats.org/markup-compatibility/2006" xmlns:a14="http://schemas.microsoft.com/office/drawing/2010/main">
+        <mc:Choice Requires="a14">
           <p:sp>
             <p:nvSpPr>
               <p:cNvPr id="8" name="橢圓 7">
@@ -7692,7 +7700,7 @@
             </p:txBody>
           </p:sp>
         </mc:Choice>
-        <mc:Fallback>
+        <mc:Fallback xmlns="">
           <p:sp>
             <p:nvSpPr>
               <p:cNvPr id="8" name="橢圓 7">
@@ -7737,8 +7745,8 @@
           </p:sp>
         </mc:Fallback>
       </mc:AlternateContent>
-      <mc:AlternateContent xmlns:mc="http://schemas.openxmlformats.org/markup-compatibility/2006">
-        <mc:Choice xmlns:a14="http://schemas.microsoft.com/office/drawing/2010/main" Requires="a14">
+      <mc:AlternateContent xmlns:mc="http://schemas.openxmlformats.org/markup-compatibility/2006" xmlns:a14="http://schemas.microsoft.com/office/drawing/2010/main">
+        <mc:Choice Requires="a14">
           <p:sp>
             <p:nvSpPr>
               <p:cNvPr id="9" name="橢圓 8">
@@ -7835,7 +7843,7 @@
             </p:txBody>
           </p:sp>
         </mc:Choice>
-        <mc:Fallback>
+        <mc:Fallback xmlns="">
           <p:sp>
             <p:nvSpPr>
               <p:cNvPr id="9" name="橢圓 8">
@@ -7880,8 +7888,8 @@
           </p:sp>
         </mc:Fallback>
       </mc:AlternateContent>
-      <mc:AlternateContent xmlns:mc="http://schemas.openxmlformats.org/markup-compatibility/2006">
-        <mc:Choice xmlns:a14="http://schemas.microsoft.com/office/drawing/2010/main" Requires="a14">
+      <mc:AlternateContent xmlns:mc="http://schemas.openxmlformats.org/markup-compatibility/2006" xmlns:a14="http://schemas.microsoft.com/office/drawing/2010/main">
+        <mc:Choice Requires="a14">
           <p:sp>
             <p:nvSpPr>
               <p:cNvPr id="10" name="橢圓 9">
@@ -7978,7 +7986,7 @@
             </p:txBody>
           </p:sp>
         </mc:Choice>
-        <mc:Fallback>
+        <mc:Fallback xmlns="">
           <p:sp>
             <p:nvSpPr>
               <p:cNvPr id="10" name="橢圓 9">
@@ -8445,8 +8453,8 @@
           </a:p>
         </p:txBody>
       </p:sp>
-      <mc:AlternateContent xmlns:mc="http://schemas.openxmlformats.org/markup-compatibility/2006">
-        <mc:Choice xmlns:a14="http://schemas.microsoft.com/office/drawing/2010/main" Requires="a14">
+      <mc:AlternateContent xmlns:mc="http://schemas.openxmlformats.org/markup-compatibility/2006" xmlns:a14="http://schemas.microsoft.com/office/drawing/2010/main">
+        <mc:Choice Requires="a14">
           <p:sp>
             <p:nvSpPr>
               <p:cNvPr id="4" name="橢圓 3">
@@ -8543,7 +8551,7 @@
             </p:txBody>
           </p:sp>
         </mc:Choice>
-        <mc:Fallback>
+        <mc:Fallback xmlns="">
           <p:sp>
             <p:nvSpPr>
               <p:cNvPr id="4" name="橢圓 3">
@@ -8588,8 +8596,8 @@
           </p:sp>
         </mc:Fallback>
       </mc:AlternateContent>
-      <mc:AlternateContent xmlns:mc="http://schemas.openxmlformats.org/markup-compatibility/2006">
-        <mc:Choice xmlns:a14="http://schemas.microsoft.com/office/drawing/2010/main" Requires="a14">
+      <mc:AlternateContent xmlns:mc="http://schemas.openxmlformats.org/markup-compatibility/2006" xmlns:a14="http://schemas.microsoft.com/office/drawing/2010/main">
+        <mc:Choice Requires="a14">
           <p:sp>
             <p:nvSpPr>
               <p:cNvPr id="5" name="橢圓 4">
@@ -8658,7 +8666,7 @@
             </p:txBody>
           </p:sp>
         </mc:Choice>
-        <mc:Fallback>
+        <mc:Fallback xmlns="">
           <p:sp>
             <p:nvSpPr>
               <p:cNvPr id="5" name="橢圓 4">
@@ -8703,8 +8711,8 @@
           </p:sp>
         </mc:Fallback>
       </mc:AlternateContent>
-      <mc:AlternateContent xmlns:mc="http://schemas.openxmlformats.org/markup-compatibility/2006">
-        <mc:Choice xmlns:a14="http://schemas.microsoft.com/office/drawing/2010/main" Requires="a14">
+      <mc:AlternateContent xmlns:mc="http://schemas.openxmlformats.org/markup-compatibility/2006" xmlns:a14="http://schemas.microsoft.com/office/drawing/2010/main">
+        <mc:Choice Requires="a14">
           <p:sp>
             <p:nvSpPr>
               <p:cNvPr id="6" name="橢圓 5">
@@ -8801,7 +8809,7 @@
             </p:txBody>
           </p:sp>
         </mc:Choice>
-        <mc:Fallback>
+        <mc:Fallback xmlns="">
           <p:sp>
             <p:nvSpPr>
               <p:cNvPr id="6" name="橢圓 5">
@@ -8846,8 +8854,8 @@
           </p:sp>
         </mc:Fallback>
       </mc:AlternateContent>
-      <mc:AlternateContent xmlns:mc="http://schemas.openxmlformats.org/markup-compatibility/2006">
-        <mc:Choice xmlns:a14="http://schemas.microsoft.com/office/drawing/2010/main" Requires="a14">
+      <mc:AlternateContent xmlns:mc="http://schemas.openxmlformats.org/markup-compatibility/2006" xmlns:a14="http://schemas.microsoft.com/office/drawing/2010/main">
+        <mc:Choice Requires="a14">
           <p:sp>
             <p:nvSpPr>
               <p:cNvPr id="7" name="橢圓 6">
@@ -8937,7 +8945,7 @@
             </p:txBody>
           </p:sp>
         </mc:Choice>
-        <mc:Fallback>
+        <mc:Fallback xmlns="">
           <p:sp>
             <p:nvSpPr>
               <p:cNvPr id="7" name="橢圓 6">
@@ -9111,8 +9119,8 @@
           </a:fontRef>
         </p:style>
       </p:cxnSp>
-      <mc:AlternateContent xmlns:mc="http://schemas.openxmlformats.org/markup-compatibility/2006">
-        <mc:Choice xmlns:a14="http://schemas.microsoft.com/office/drawing/2010/main" Requires="a14">
+      <mc:AlternateContent xmlns:mc="http://schemas.openxmlformats.org/markup-compatibility/2006" xmlns:a14="http://schemas.microsoft.com/office/drawing/2010/main">
+        <mc:Choice Requires="a14">
           <p:sp>
             <p:nvSpPr>
               <p:cNvPr id="10" name="橢圓 9">
@@ -9209,7 +9217,7 @@
             </p:txBody>
           </p:sp>
         </mc:Choice>
-        <mc:Fallback>
+        <mc:Fallback xmlns="">
           <p:sp>
             <p:nvSpPr>
               <p:cNvPr id="10" name="橢圓 9">
@@ -9461,8 +9469,8 @@
           </a:p>
         </p:txBody>
       </p:sp>
-      <mc:AlternateContent xmlns:mc="http://schemas.openxmlformats.org/markup-compatibility/2006">
-        <mc:Choice xmlns:a14="http://schemas.microsoft.com/office/drawing/2010/main" Requires="a14">
+      <mc:AlternateContent xmlns:mc="http://schemas.openxmlformats.org/markup-compatibility/2006" xmlns:a14="http://schemas.microsoft.com/office/drawing/2010/main">
+        <mc:Choice Requires="a14">
           <p:sp>
             <p:nvSpPr>
               <p:cNvPr id="4" name="橢圓 3">
@@ -9559,7 +9567,7 @@
             </p:txBody>
           </p:sp>
         </mc:Choice>
-        <mc:Fallback>
+        <mc:Fallback xmlns="">
           <p:sp>
             <p:nvSpPr>
               <p:cNvPr id="4" name="橢圓 3">
@@ -9604,8 +9612,8 @@
           </p:sp>
         </mc:Fallback>
       </mc:AlternateContent>
-      <mc:AlternateContent xmlns:mc="http://schemas.openxmlformats.org/markup-compatibility/2006">
-        <mc:Choice xmlns:a14="http://schemas.microsoft.com/office/drawing/2010/main" Requires="a14">
+      <mc:AlternateContent xmlns:mc="http://schemas.openxmlformats.org/markup-compatibility/2006" xmlns:a14="http://schemas.microsoft.com/office/drawing/2010/main">
+        <mc:Choice Requires="a14">
           <p:sp>
             <p:nvSpPr>
               <p:cNvPr id="5" name="橢圓 4">
@@ -9674,7 +9682,7 @@
             </p:txBody>
           </p:sp>
         </mc:Choice>
-        <mc:Fallback>
+        <mc:Fallback xmlns="">
           <p:sp>
             <p:nvSpPr>
               <p:cNvPr id="5" name="橢圓 4">
@@ -9719,8 +9727,8 @@
           </p:sp>
         </mc:Fallback>
       </mc:AlternateContent>
-      <mc:AlternateContent xmlns:mc="http://schemas.openxmlformats.org/markup-compatibility/2006">
-        <mc:Choice xmlns:a14="http://schemas.microsoft.com/office/drawing/2010/main" Requires="a14">
+      <mc:AlternateContent xmlns:mc="http://schemas.openxmlformats.org/markup-compatibility/2006" xmlns:a14="http://schemas.microsoft.com/office/drawing/2010/main">
+        <mc:Choice Requires="a14">
           <p:sp>
             <p:nvSpPr>
               <p:cNvPr id="6" name="橢圓 5">
@@ -9817,7 +9825,7 @@
             </p:txBody>
           </p:sp>
         </mc:Choice>
-        <mc:Fallback>
+        <mc:Fallback xmlns="">
           <p:sp>
             <p:nvSpPr>
               <p:cNvPr id="6" name="橢圓 5">
@@ -9862,8 +9870,8 @@
           </p:sp>
         </mc:Fallback>
       </mc:AlternateContent>
-      <mc:AlternateContent xmlns:mc="http://schemas.openxmlformats.org/markup-compatibility/2006">
-        <mc:Choice xmlns:a14="http://schemas.microsoft.com/office/drawing/2010/main" Requires="a14">
+      <mc:AlternateContent xmlns:mc="http://schemas.openxmlformats.org/markup-compatibility/2006" xmlns:a14="http://schemas.microsoft.com/office/drawing/2010/main">
+        <mc:Choice Requires="a14">
           <p:sp>
             <p:nvSpPr>
               <p:cNvPr id="7" name="橢圓 6">
@@ -9960,7 +9968,7 @@
             </p:txBody>
           </p:sp>
         </mc:Choice>
-        <mc:Fallback>
+        <mc:Fallback xmlns="">
           <p:sp>
             <p:nvSpPr>
               <p:cNvPr id="7" name="橢圓 6">
@@ -10233,8 +10241,8 @@
           </a:p>
         </p:txBody>
       </p:sp>
-      <mc:AlternateContent xmlns:mc="http://schemas.openxmlformats.org/markup-compatibility/2006">
-        <mc:Choice xmlns:a14="http://schemas.microsoft.com/office/drawing/2010/main" Requires="a14">
+      <mc:AlternateContent xmlns:mc="http://schemas.openxmlformats.org/markup-compatibility/2006" xmlns:a14="http://schemas.microsoft.com/office/drawing/2010/main">
+        <mc:Choice Requires="a14">
           <p:sp>
             <p:nvSpPr>
               <p:cNvPr id="4" name="橢圓 3">
@@ -10331,7 +10339,7 @@
             </p:txBody>
           </p:sp>
         </mc:Choice>
-        <mc:Fallback>
+        <mc:Fallback xmlns="">
           <p:sp>
             <p:nvSpPr>
               <p:cNvPr id="4" name="橢圓 3">
@@ -10376,8 +10384,8 @@
           </p:sp>
         </mc:Fallback>
       </mc:AlternateContent>
-      <mc:AlternateContent xmlns:mc="http://schemas.openxmlformats.org/markup-compatibility/2006">
-        <mc:Choice xmlns:a14="http://schemas.microsoft.com/office/drawing/2010/main" Requires="a14">
+      <mc:AlternateContent xmlns:mc="http://schemas.openxmlformats.org/markup-compatibility/2006" xmlns:a14="http://schemas.microsoft.com/office/drawing/2010/main">
+        <mc:Choice Requires="a14">
           <p:sp>
             <p:nvSpPr>
               <p:cNvPr id="5" name="橢圓 4">
@@ -10446,7 +10454,7 @@
             </p:txBody>
           </p:sp>
         </mc:Choice>
-        <mc:Fallback>
+        <mc:Fallback xmlns="">
           <p:sp>
             <p:nvSpPr>
               <p:cNvPr id="5" name="橢圓 4">
@@ -10491,8 +10499,8 @@
           </p:sp>
         </mc:Fallback>
       </mc:AlternateContent>
-      <mc:AlternateContent xmlns:mc="http://schemas.openxmlformats.org/markup-compatibility/2006">
-        <mc:Choice xmlns:a14="http://schemas.microsoft.com/office/drawing/2010/main" Requires="a14">
+      <mc:AlternateContent xmlns:mc="http://schemas.openxmlformats.org/markup-compatibility/2006" xmlns:a14="http://schemas.microsoft.com/office/drawing/2010/main">
+        <mc:Choice Requires="a14">
           <p:sp>
             <p:nvSpPr>
               <p:cNvPr id="6" name="橢圓 5">
@@ -10589,7 +10597,7 @@
             </p:txBody>
           </p:sp>
         </mc:Choice>
-        <mc:Fallback>
+        <mc:Fallback xmlns="">
           <p:sp>
             <p:nvSpPr>
               <p:cNvPr id="6" name="橢圓 5">
@@ -10634,8 +10642,8 @@
           </p:sp>
         </mc:Fallback>
       </mc:AlternateContent>
-      <mc:AlternateContent xmlns:mc="http://schemas.openxmlformats.org/markup-compatibility/2006">
-        <mc:Choice xmlns:a14="http://schemas.microsoft.com/office/drawing/2010/main" Requires="a14">
+      <mc:AlternateContent xmlns:mc="http://schemas.openxmlformats.org/markup-compatibility/2006" xmlns:a14="http://schemas.microsoft.com/office/drawing/2010/main">
+        <mc:Choice Requires="a14">
           <p:sp>
             <p:nvSpPr>
               <p:cNvPr id="7" name="橢圓 6">
@@ -10732,7 +10740,7 @@
             </p:txBody>
           </p:sp>
         </mc:Choice>
-        <mc:Fallback>
+        <mc:Fallback xmlns="">
           <p:sp>
             <p:nvSpPr>
               <p:cNvPr id="7" name="橢圓 6">
@@ -11057,8 +11065,8 @@
           </a:p>
         </p:txBody>
       </p:sp>
-      <mc:AlternateContent xmlns:mc="http://schemas.openxmlformats.org/markup-compatibility/2006">
-        <mc:Choice xmlns:a14="http://schemas.microsoft.com/office/drawing/2010/main" Requires="a14">
+      <mc:AlternateContent xmlns:mc="http://schemas.openxmlformats.org/markup-compatibility/2006" xmlns:a14="http://schemas.microsoft.com/office/drawing/2010/main">
+        <mc:Choice Requires="a14">
           <p:sp>
             <p:nvSpPr>
               <p:cNvPr id="4" name="橢圓 3">
@@ -11155,7 +11163,7 @@
             </p:txBody>
           </p:sp>
         </mc:Choice>
-        <mc:Fallback>
+        <mc:Fallback xmlns="">
           <p:sp>
             <p:nvSpPr>
               <p:cNvPr id="4" name="橢圓 3">
@@ -11200,8 +11208,8 @@
           </p:sp>
         </mc:Fallback>
       </mc:AlternateContent>
-      <mc:AlternateContent xmlns:mc="http://schemas.openxmlformats.org/markup-compatibility/2006">
-        <mc:Choice xmlns:a14="http://schemas.microsoft.com/office/drawing/2010/main" Requires="a14">
+      <mc:AlternateContent xmlns:mc="http://schemas.openxmlformats.org/markup-compatibility/2006" xmlns:a14="http://schemas.microsoft.com/office/drawing/2010/main">
+        <mc:Choice Requires="a14">
           <p:sp>
             <p:nvSpPr>
               <p:cNvPr id="5" name="橢圓 4">
@@ -11298,7 +11306,7 @@
             </p:txBody>
           </p:sp>
         </mc:Choice>
-        <mc:Fallback>
+        <mc:Fallback xmlns="">
           <p:sp>
             <p:nvSpPr>
               <p:cNvPr id="5" name="橢圓 4">
@@ -11485,8 +11493,8 @@
           </a:p>
         </p:txBody>
       </p:sp>
-      <mc:AlternateContent xmlns:mc="http://schemas.openxmlformats.org/markup-compatibility/2006">
-        <mc:Choice xmlns:a14="http://schemas.microsoft.com/office/drawing/2010/main" Requires="a14">
+      <mc:AlternateContent xmlns:mc="http://schemas.openxmlformats.org/markup-compatibility/2006" xmlns:a14="http://schemas.microsoft.com/office/drawing/2010/main">
+        <mc:Choice Requires="a14">
           <p:sp>
             <p:nvSpPr>
               <p:cNvPr id="4" name="橢圓 3">
@@ -11583,7 +11591,7 @@
             </p:txBody>
           </p:sp>
         </mc:Choice>
-        <mc:Fallback>
+        <mc:Fallback xmlns="">
           <p:sp>
             <p:nvSpPr>
               <p:cNvPr id="4" name="橢圓 3">
@@ -11628,8 +11636,8 @@
           </p:sp>
         </mc:Fallback>
       </mc:AlternateContent>
-      <mc:AlternateContent xmlns:mc="http://schemas.openxmlformats.org/markup-compatibility/2006">
-        <mc:Choice xmlns:a14="http://schemas.microsoft.com/office/drawing/2010/main" Requires="a14">
+      <mc:AlternateContent xmlns:mc="http://schemas.openxmlformats.org/markup-compatibility/2006" xmlns:a14="http://schemas.microsoft.com/office/drawing/2010/main">
+        <mc:Choice Requires="a14">
           <p:sp>
             <p:nvSpPr>
               <p:cNvPr id="5" name="橢圓 4">
@@ -11726,7 +11734,7 @@
             </p:txBody>
           </p:sp>
         </mc:Choice>
-        <mc:Fallback>
+        <mc:Fallback xmlns="">
           <p:sp>
             <p:nvSpPr>
               <p:cNvPr id="5" name="橢圓 4">
@@ -11989,7 +11997,7 @@
           <p:cNvPr id="2" name="標題 1">
             <a:extLst>
               <a:ext uri="{FF2B5EF4-FFF2-40B4-BE49-F238E27FC236}">
-                <a16:creationId xmlns:a16="http://schemas.microsoft.com/office/drawing/2014/main" id="{03407ED8-8E77-49CF-AB04-F8708E778DD0}"/>
+                <a16:creationId xmlns:a16="http://schemas.microsoft.com/office/drawing/2014/main" id="{528DBE30-9FF4-46E5-A098-AC3368DEEFE8}"/>
               </a:ext>
             </a:extLst>
           </p:cNvPr>
@@ -12007,7 +12015,7 @@
           <a:p>
             <a:r>
               <a:rPr lang="en-US" altLang="zh-TW" dirty="0"/>
-              <a:t>Outline</a:t>
+              <a:t>Rule List</a:t>
             </a:r>
             <a:endParaRPr lang="zh-TW" altLang="en-US" dirty="0"/>
           </a:p>
@@ -12018,7 +12026,7 @@
           <p:cNvPr id="3" name="內容版面配置區 2">
             <a:extLst>
               <a:ext uri="{FF2B5EF4-FFF2-40B4-BE49-F238E27FC236}">
-                <a16:creationId xmlns:a16="http://schemas.microsoft.com/office/drawing/2014/main" id="{DA6D5611-D3FE-4E92-ABA7-F9AAB1E53AFC}"/>
+                <a16:creationId xmlns:a16="http://schemas.microsoft.com/office/drawing/2014/main" id="{7A6F80F9-3286-4E1E-98D1-382676706E05}"/>
               </a:ext>
             </a:extLst>
           </p:cNvPr>
@@ -12034,50 +12042,14 @@
           <a:bodyPr/>
           <a:lstStyle/>
           <a:p>
-            <a:r>
-              <a:rPr lang="en-US" altLang="zh-TW" dirty="0"/>
-              <a:t>Problem Description</a:t>
-            </a:r>
-          </a:p>
-          <a:p>
-            <a:r>
-              <a:rPr lang="en-US" altLang="zh-TW" dirty="0"/>
-              <a:t>Algorithm to Solve the Problem</a:t>
-            </a:r>
-          </a:p>
-          <a:p>
-            <a:r>
-              <a:rPr lang="en-US" altLang="zh-TW" b="1" dirty="0">
-                <a:effectLst>
-                  <a:outerShdw blurRad="38100" dist="38100" dir="2700000" algn="tl">
-                    <a:srgbClr val="000000">
-                      <a:alpha val="43137"/>
-                    </a:srgbClr>
-                  </a:outerShdw>
-                </a:effectLst>
-              </a:rPr>
-              <a:t>Data Structures</a:t>
-            </a:r>
-          </a:p>
-          <a:p>
-            <a:r>
-              <a:rPr lang="en-US" altLang="zh-TW" dirty="0"/>
-              <a:t>Experimental Results</a:t>
-            </a:r>
-          </a:p>
-          <a:p>
-            <a:r>
-              <a:rPr lang="en-US" altLang="zh-TW" dirty="0"/>
-              <a:t>Difficulties</a:t>
-            </a:r>
-            <a:endParaRPr lang="zh-TW" altLang="en-US" dirty="0"/>
+            <a:endParaRPr lang="zh-TW" altLang="en-US"/>
           </a:p>
         </p:txBody>
       </p:sp>
     </p:spTree>
     <p:extLst>
       <p:ext uri="{BB962C8B-B14F-4D97-AF65-F5344CB8AC3E}">
-        <p14:creationId xmlns:p14="http://schemas.microsoft.com/office/powerpoint/2010/main" val="4169561257"/>
+        <p14:creationId xmlns:p14="http://schemas.microsoft.com/office/powerpoint/2010/main" val="1511839155"/>
       </p:ext>
     </p:extLst>
   </p:cSld>
@@ -12218,6 +12190,126 @@
       </p:grpSpPr>
       <p:sp>
         <p:nvSpPr>
+          <p:cNvPr id="2" name="標題 1">
+            <a:extLst>
+              <a:ext uri="{FF2B5EF4-FFF2-40B4-BE49-F238E27FC236}">
+                <a16:creationId xmlns:a16="http://schemas.microsoft.com/office/drawing/2014/main" id="{03407ED8-8E77-49CF-AB04-F8708E778DD0}"/>
+              </a:ext>
+            </a:extLst>
+          </p:cNvPr>
+          <p:cNvSpPr>
+            <a:spLocks noGrp="1"/>
+          </p:cNvSpPr>
+          <p:nvPr>
+            <p:ph type="title"/>
+          </p:nvPr>
+        </p:nvSpPr>
+        <p:spPr/>
+        <p:txBody>
+          <a:bodyPr/>
+          <a:lstStyle/>
+          <a:p>
+            <a:r>
+              <a:rPr lang="en-US" altLang="zh-TW" dirty="0"/>
+              <a:t>Outline</a:t>
+            </a:r>
+            <a:endParaRPr lang="zh-TW" altLang="en-US" dirty="0"/>
+          </a:p>
+        </p:txBody>
+      </p:sp>
+      <p:sp>
+        <p:nvSpPr>
+          <p:cNvPr id="3" name="內容版面配置區 2">
+            <a:extLst>
+              <a:ext uri="{FF2B5EF4-FFF2-40B4-BE49-F238E27FC236}">
+                <a16:creationId xmlns:a16="http://schemas.microsoft.com/office/drawing/2014/main" id="{DA6D5611-D3FE-4E92-ABA7-F9AAB1E53AFC}"/>
+              </a:ext>
+            </a:extLst>
+          </p:cNvPr>
+          <p:cNvSpPr>
+            <a:spLocks noGrp="1"/>
+          </p:cNvSpPr>
+          <p:nvPr>
+            <p:ph idx="1"/>
+          </p:nvPr>
+        </p:nvSpPr>
+        <p:spPr/>
+        <p:txBody>
+          <a:bodyPr/>
+          <a:lstStyle/>
+          <a:p>
+            <a:r>
+              <a:rPr lang="en-US" altLang="zh-TW" dirty="0"/>
+              <a:t>Problem Description</a:t>
+            </a:r>
+          </a:p>
+          <a:p>
+            <a:r>
+              <a:rPr lang="en-US" altLang="zh-TW" dirty="0"/>
+              <a:t>Algorithm to Solve the Problem</a:t>
+            </a:r>
+          </a:p>
+          <a:p>
+            <a:r>
+              <a:rPr lang="en-US" altLang="zh-TW" b="1" dirty="0">
+                <a:effectLst>
+                  <a:outerShdw blurRad="38100" dist="38100" dir="2700000" algn="tl">
+                    <a:srgbClr val="000000">
+                      <a:alpha val="43137"/>
+                    </a:srgbClr>
+                  </a:outerShdw>
+                </a:effectLst>
+              </a:rPr>
+              <a:t>Data Structures</a:t>
+            </a:r>
+          </a:p>
+          <a:p>
+            <a:r>
+              <a:rPr lang="en-US" altLang="zh-TW" dirty="0"/>
+              <a:t>Experimental Results</a:t>
+            </a:r>
+          </a:p>
+          <a:p>
+            <a:r>
+              <a:rPr lang="en-US" altLang="zh-TW" dirty="0"/>
+              <a:t>Difficulties</a:t>
+            </a:r>
+            <a:endParaRPr lang="zh-TW" altLang="en-US" dirty="0"/>
+          </a:p>
+        </p:txBody>
+      </p:sp>
+    </p:spTree>
+    <p:extLst>
+      <p:ext uri="{BB962C8B-B14F-4D97-AF65-F5344CB8AC3E}">
+        <p14:creationId xmlns:p14="http://schemas.microsoft.com/office/powerpoint/2010/main" val="4169561257"/>
+      </p:ext>
+    </p:extLst>
+  </p:cSld>
+  <p:clrMapOvr>
+    <a:masterClrMapping/>
+  </p:clrMapOvr>
+</p:sld>
+</file>
+
+<file path=ppt/slides/slide21.xml><?xml version="1.0" encoding="utf-8"?>
+<p:sld xmlns:a="http://schemas.openxmlformats.org/drawingml/2006/main" xmlns:r="http://schemas.openxmlformats.org/officeDocument/2006/relationships" xmlns:p="http://schemas.openxmlformats.org/presentationml/2006/main">
+  <p:cSld>
+    <p:spTree>
+      <p:nvGrpSpPr>
+        <p:cNvPr id="1" name=""/>
+        <p:cNvGrpSpPr/>
+        <p:nvPr/>
+      </p:nvGrpSpPr>
+      <p:grpSpPr>
+        <a:xfrm>
+          <a:off x="0" y="0"/>
+          <a:ext cx="0" cy="0"/>
+          <a:chOff x="0" y="0"/>
+          <a:chExt cx="0" cy="0"/>
+        </a:xfrm>
+      </p:grpSpPr>
+      <p:sp>
+        <p:nvSpPr>
           <p:cNvPr id="2" name="標題 1"/>
           <p:cNvSpPr>
             <a:spLocks noGrp="1"/>
@@ -12257,7 +12349,7 @@
         </p:spPr>
         <p:txBody>
           <a:bodyPr>
-            <a:normAutofit fontScale="92500" lnSpcReduction="20000"/>
+            <a:normAutofit/>
           </a:bodyPr>
           <a:lstStyle/>
           <a:p>
@@ -12330,35 +12422,6 @@
             <a:r>
               <a:rPr lang="en-US" altLang="zh-TW" dirty="0"/>
               <a:t>Component *parent</a:t>
-            </a:r>
-          </a:p>
-          <a:p>
-            <a:pPr lvl="1"/>
-            <a:r>
-              <a:rPr lang="en-US" altLang="zh-TW" dirty="0"/>
-              <a:t>Method</a:t>
-            </a:r>
-          </a:p>
-          <a:p>
-            <a:pPr lvl="2"/>
-            <a:r>
-              <a:rPr lang="en-US" altLang="zh-TW" dirty="0" err="1"/>
-              <a:t>post_order_reduction</a:t>
-            </a:r>
-            <a:r>
-              <a:rPr lang="en-US" altLang="zh-TW" dirty="0"/>
-              <a:t>()</a:t>
-            </a:r>
-          </a:p>
-          <a:p>
-            <a:pPr lvl="2"/>
-            <a:r>
-              <a:rPr lang="en-US" altLang="zh-TW" dirty="0" err="1"/>
-              <a:t>post_order_make_inst</a:t>
-            </a:r>
-            <a:r>
-              <a:rPr lang="en-US" altLang="zh-TW" dirty="0"/>
-              <a:t>()</a:t>
             </a:r>
           </a:p>
         </p:txBody>
@@ -12376,7 +12439,7 @@
 </p:sld>
 </file>
 
-<file path=ppt/slides/slide21.xml><?xml version="1.0" encoding="utf-8"?>
+<file path=ppt/slides/slide22.xml><?xml version="1.0" encoding="utf-8"?>
 <p:sld xmlns:a="http://schemas.openxmlformats.org/drawingml/2006/main" xmlns:r="http://schemas.openxmlformats.org/officeDocument/2006/relationships" xmlns:p="http://schemas.openxmlformats.org/presentationml/2006/main">
   <p:cSld>
     <p:spTree>
@@ -12496,7 +12559,7 @@
 </p:sld>
 </file>
 
-<file path=ppt/slides/slide22.xml><?xml version="1.0" encoding="utf-8"?>
+<file path=ppt/slides/slide23.xml><?xml version="1.0" encoding="utf-8"?>
 <p:sld xmlns:a="http://schemas.openxmlformats.org/drawingml/2006/main" xmlns:r="http://schemas.openxmlformats.org/officeDocument/2006/relationships" xmlns:p="http://schemas.openxmlformats.org/presentationml/2006/main">
   <p:cSld>
     <p:spTree>
@@ -12677,7 +12740,7 @@
 </p:sld>
 </file>
 
-<file path=ppt/slides/slide23.xml><?xml version="1.0" encoding="utf-8"?>
+<file path=ppt/slides/slide24.xml><?xml version="1.0" encoding="utf-8"?>
 <p:sld xmlns:a="http://schemas.openxmlformats.org/drawingml/2006/main" xmlns:r="http://schemas.openxmlformats.org/officeDocument/2006/relationships" xmlns:p="http://schemas.openxmlformats.org/presentationml/2006/main">
   <p:cSld>
     <p:spTree>
@@ -12762,7 +12825,7 @@
 </p:sld>
 </file>
 
-<file path=ppt/slides/slide24.xml><?xml version="1.0" encoding="utf-8"?>
+<file path=ppt/slides/slide25.xml><?xml version="1.0" encoding="utf-8"?>
 <p:sld xmlns:a="http://schemas.openxmlformats.org/drawingml/2006/main" xmlns:r="http://schemas.openxmlformats.org/officeDocument/2006/relationships" xmlns:p="http://schemas.openxmlformats.org/presentationml/2006/main">
   <p:cSld>
     <p:spTree>
@@ -12883,7 +12946,7 @@
 </p:sld>
 </file>
 
-<file path=ppt/slides/slide25.xml><?xml version="1.0" encoding="utf-8"?>
+<file path=ppt/slides/slide26.xml><?xml version="1.0" encoding="utf-8"?>
 <p:sld xmlns:a="http://schemas.openxmlformats.org/drawingml/2006/main" xmlns:r="http://schemas.openxmlformats.org/officeDocument/2006/relationships" xmlns:p="http://schemas.openxmlformats.org/presentationml/2006/main">
   <p:cSld>
     <p:spTree>
@@ -13011,7 +13074,7 @@
 </p:sld>
 </file>
 
-<file path=ppt/slides/slide26.xml><?xml version="1.0" encoding="utf-8"?>
+<file path=ppt/slides/slide27.xml><?xml version="1.0" encoding="utf-8"?>
 <p:sld xmlns:a="http://schemas.openxmlformats.org/drawingml/2006/main" xmlns:r="http://schemas.openxmlformats.org/officeDocument/2006/relationships" xmlns:p="http://schemas.openxmlformats.org/presentationml/2006/main">
   <p:cSld>
     <p:spTree>
@@ -13051,8 +13114,8 @@
           </a:p>
         </p:txBody>
       </p:sp>
-      <mc:AlternateContent xmlns:mc="http://schemas.openxmlformats.org/markup-compatibility/2006">
-        <mc:Choice xmlns:a14="http://schemas.microsoft.com/office/drawing/2010/main" Requires="a14">
+      <mc:AlternateContent xmlns:mc="http://schemas.openxmlformats.org/markup-compatibility/2006" xmlns:a14="http://schemas.microsoft.com/office/drawing/2010/main">
+        <mc:Choice Requires="a14">
           <p:sp>
             <p:nvSpPr>
               <p:cNvPr id="3" name="內容版面配置區 2"/>
@@ -13268,7 +13331,7 @@
             </p:txBody>
           </p:sp>
         </mc:Choice>
-        <mc:Fallback>
+        <mc:Fallback xmlns="">
           <p:sp>
             <p:nvSpPr>
               <p:cNvPr id="3" name="內容版面配置區 2"/>
